--- a/Audits/Audit 3/audit3.pptx
+++ b/Audits/Audit 3/audit3.pptx
@@ -12486,7 +12486,7 @@
             </a:pPr>
             <a:r>
               <a:rPr lang="de-DE" dirty="0"/>
-              <a:t>- Der Rapid Prototyp wurde in den Main Prototyp überführt</a:t>
+              <a:t>-    Der Rapid Prototyp wurde in den Main Prototyp überführt</a:t>
             </a:r>
           </a:p>
           <a:p>
